--- a/lecture-materials/Security/firewallManager/firewallManager.pptx
+++ b/lecture-materials/Security/firewallManager/firewallManager.pptx
@@ -201,7 +201,7 @@
           <a:p>
             <a:fld id="{2F5107F3-0A9C-B44E-93D7-A65B65BEDD39}" type="datetimeFigureOut">
               <a:rPr lang="en-CH" smtClean="0"/>
-              <a:t>26.12.2023</a:t>
+              <a:t>14.02.2024</a:t>
             </a:fld>
             <a:endParaRPr lang="en-CH"/>
           </a:p>
@@ -826,7 +826,7 @@
           <a:p>
             <a:fld id="{010F7DE3-0EF4-7444-A49C-CCD53FD1A751}" type="datetimeFigureOut">
               <a:rPr lang="en-CH" smtClean="0"/>
-              <a:t>26.12.2023</a:t>
+              <a:t>14.02.2024</a:t>
             </a:fld>
             <a:endParaRPr lang="en-CH"/>
           </a:p>
@@ -1026,7 +1026,7 @@
           <a:p>
             <a:fld id="{010F7DE3-0EF4-7444-A49C-CCD53FD1A751}" type="datetimeFigureOut">
               <a:rPr lang="en-CH" smtClean="0"/>
-              <a:t>26.12.2023</a:t>
+              <a:t>14.02.2024</a:t>
             </a:fld>
             <a:endParaRPr lang="en-CH"/>
           </a:p>
@@ -1236,7 +1236,7 @@
           <a:p>
             <a:fld id="{010F7DE3-0EF4-7444-A49C-CCD53FD1A751}" type="datetimeFigureOut">
               <a:rPr lang="en-CH" smtClean="0"/>
-              <a:t>26.12.2023</a:t>
+              <a:t>14.02.2024</a:t>
             </a:fld>
             <a:endParaRPr lang="en-CH"/>
           </a:p>
@@ -1436,7 +1436,7 @@
           <a:p>
             <a:fld id="{010F7DE3-0EF4-7444-A49C-CCD53FD1A751}" type="datetimeFigureOut">
               <a:rPr lang="en-CH" smtClean="0"/>
-              <a:t>26.12.2023</a:t>
+              <a:t>14.02.2024</a:t>
             </a:fld>
             <a:endParaRPr lang="en-CH"/>
           </a:p>
@@ -1712,7 +1712,7 @@
           <a:p>
             <a:fld id="{010F7DE3-0EF4-7444-A49C-CCD53FD1A751}" type="datetimeFigureOut">
               <a:rPr lang="en-CH" smtClean="0"/>
-              <a:t>26.12.2023</a:t>
+              <a:t>14.02.2024</a:t>
             </a:fld>
             <a:endParaRPr lang="en-CH"/>
           </a:p>
@@ -1980,7 +1980,7 @@
           <a:p>
             <a:fld id="{010F7DE3-0EF4-7444-A49C-CCD53FD1A751}" type="datetimeFigureOut">
               <a:rPr lang="en-CH" smtClean="0"/>
-              <a:t>26.12.2023</a:t>
+              <a:t>14.02.2024</a:t>
             </a:fld>
             <a:endParaRPr lang="en-CH"/>
           </a:p>
@@ -2395,7 +2395,7 @@
           <a:p>
             <a:fld id="{010F7DE3-0EF4-7444-A49C-CCD53FD1A751}" type="datetimeFigureOut">
               <a:rPr lang="en-CH" smtClean="0"/>
-              <a:t>26.12.2023</a:t>
+              <a:t>14.02.2024</a:t>
             </a:fld>
             <a:endParaRPr lang="en-CH"/>
           </a:p>
@@ -2537,7 +2537,7 @@
           <a:p>
             <a:fld id="{010F7DE3-0EF4-7444-A49C-CCD53FD1A751}" type="datetimeFigureOut">
               <a:rPr lang="en-CH" smtClean="0"/>
-              <a:t>26.12.2023</a:t>
+              <a:t>14.02.2024</a:t>
             </a:fld>
             <a:endParaRPr lang="en-CH"/>
           </a:p>
@@ -2650,7 +2650,7 @@
           <a:p>
             <a:fld id="{010F7DE3-0EF4-7444-A49C-CCD53FD1A751}" type="datetimeFigureOut">
               <a:rPr lang="en-CH" smtClean="0"/>
-              <a:t>26.12.2023</a:t>
+              <a:t>14.02.2024</a:t>
             </a:fld>
             <a:endParaRPr lang="en-CH"/>
           </a:p>
@@ -2963,7 +2963,7 @@
           <a:p>
             <a:fld id="{010F7DE3-0EF4-7444-A49C-CCD53FD1A751}" type="datetimeFigureOut">
               <a:rPr lang="en-CH" smtClean="0"/>
-              <a:t>26.12.2023</a:t>
+              <a:t>14.02.2024</a:t>
             </a:fld>
             <a:endParaRPr lang="en-CH"/>
           </a:p>
@@ -3252,7 +3252,7 @@
           <a:p>
             <a:fld id="{010F7DE3-0EF4-7444-A49C-CCD53FD1A751}" type="datetimeFigureOut">
               <a:rPr lang="en-CH" smtClean="0"/>
-              <a:t>26.12.2023</a:t>
+              <a:t>14.02.2024</a:t>
             </a:fld>
             <a:endParaRPr lang="en-CH"/>
           </a:p>
@@ -3495,7 +3495,7 @@
           <a:p>
             <a:fld id="{010F7DE3-0EF4-7444-A49C-CCD53FD1A751}" type="datetimeFigureOut">
               <a:rPr lang="en-CH" smtClean="0"/>
-              <a:t>26.12.2023</a:t>
+              <a:t>14.02.2024</a:t>
             </a:fld>
             <a:endParaRPr lang="en-CH"/>
           </a:p>
@@ -5307,16 +5307,80 @@
               </a:spcAft>
             </a:pPr>
             <a:r>
-              <a:rPr lang="en-US" sz="2200" b="1">
+              <a:rPr lang="en-US" sz="2200" b="1" dirty="0">
                 <a:sym typeface="Arial"/>
               </a:rPr>
               <a:t>AWS Firewall Manager</a:t>
             </a:r>
             <a:r>
-              <a:rPr lang="en-US" sz="2200">
+              <a:rPr lang="en-US" sz="2200" dirty="0">
                 <a:sym typeface="Arial"/>
               </a:rPr>
-              <a:t> simplifies your administration and maintenance tasks across multiple accounts and resources for a variety of protections, including AWS WAF, AWS Shield Advanced, Amazon VPC security groups, AWS Network Firewall, and Amazon Route 53 Resolver DNS Firewall. </a:t>
+              <a:t> simplifies your administration and maintenance tasks across multiple accounts and resources for a variety of protections, including </a:t>
+            </a:r>
+          </a:p>
+          <a:p>
+            <a:pPr lvl="1">
+              <a:spcBef>
+                <a:spcPts val="1067"/>
+              </a:spcBef>
+              <a:spcAft>
+                <a:spcPts val="1600"/>
+              </a:spcAft>
+            </a:pPr>
+            <a:r>
+              <a:rPr lang="en-US" sz="1800" dirty="0">
+                <a:sym typeface="Arial"/>
+              </a:rPr>
+              <a:t>AWS WAF, AWS Shield Advanced, </a:t>
+            </a:r>
+          </a:p>
+          <a:p>
+            <a:pPr lvl="1">
+              <a:spcBef>
+                <a:spcPts val="1067"/>
+              </a:spcBef>
+              <a:spcAft>
+                <a:spcPts val="1600"/>
+              </a:spcAft>
+            </a:pPr>
+            <a:r>
+              <a:rPr lang="en-US" sz="1800" dirty="0">
+                <a:sym typeface="Arial"/>
+              </a:rPr>
+              <a:t>Amazon VPC security groups, </a:t>
+            </a:r>
+          </a:p>
+          <a:p>
+            <a:pPr lvl="1">
+              <a:spcBef>
+                <a:spcPts val="1067"/>
+              </a:spcBef>
+              <a:spcAft>
+                <a:spcPts val="1600"/>
+              </a:spcAft>
+            </a:pPr>
+            <a:r>
+              <a:rPr lang="en-US" sz="1800" dirty="0">
+                <a:sym typeface="Arial"/>
+              </a:rPr>
+              <a:t>AWS Network Firewall, and </a:t>
+            </a:r>
+          </a:p>
+          <a:p>
+            <a:pPr lvl="1">
+              <a:spcBef>
+                <a:spcPts val="1067"/>
+              </a:spcBef>
+              <a:spcAft>
+                <a:spcPts val="1600"/>
+              </a:spcAft>
+            </a:pPr>
+            <a:r>
+              <a:rPr lang="en-US" sz="1800" dirty="0">
+                <a:sym typeface="Arial"/>
+              </a:rPr>
+              <a:t>Amazon Route 53 Resolver DNS Firewall. </a:t>
             </a:r>
           </a:p>
         </p:txBody>
@@ -6365,11 +6429,14 @@
           <a:p>
             <a:pPr marL="0">
               <a:spcBef>
-                <a:spcPts val="1067"/>
+                <a:spcPts val="300"/>
               </a:spcBef>
+              <a:spcAft>
+                <a:spcPts val="300"/>
+              </a:spcAft>
             </a:pPr>
             <a:r>
-              <a:rPr lang="en-US" sz="1500" b="1" u="sng">
+              <a:rPr lang="en-US" sz="1500" b="1" u="sng" dirty="0">
                 <a:sym typeface="Arial"/>
               </a:rPr>
               <a:t>Firewall Manager provides these benefits:</a:t>
@@ -6378,12 +6445,15 @@
           <a:p>
             <a:pPr marL="609585">
               <a:spcBef>
-                <a:spcPts val="1600"/>
+                <a:spcPts val="300"/>
               </a:spcBef>
+              <a:spcAft>
+                <a:spcPts val="300"/>
+              </a:spcAft>
               <a:buSzPts val="1100"/>
             </a:pPr>
             <a:r>
-              <a:rPr lang="en-US" sz="1500">
+              <a:rPr lang="en-US" sz="1500" dirty="0">
                 <a:sym typeface="Arial"/>
               </a:rPr>
               <a:t>Helps to protect resources across accounts</a:t>
@@ -6392,12 +6462,15 @@
           <a:p>
             <a:pPr marL="609585">
               <a:spcBef>
-                <a:spcPts val="0"/>
+                <a:spcPts val="300"/>
               </a:spcBef>
+              <a:spcAft>
+                <a:spcPts val="300"/>
+              </a:spcAft>
               <a:buSzPts val="1100"/>
             </a:pPr>
             <a:r>
-              <a:rPr lang="en-US" sz="1500">
+              <a:rPr lang="en-US" sz="1500" dirty="0">
                 <a:sym typeface="Arial"/>
               </a:rPr>
               <a:t>Helps to protect all resources of a particular type, such as all Amazon CloudFront distributions</a:t>
@@ -6406,12 +6479,15 @@
           <a:p>
             <a:pPr marL="609585">
               <a:spcBef>
-                <a:spcPts val="0"/>
+                <a:spcPts val="300"/>
               </a:spcBef>
+              <a:spcAft>
+                <a:spcPts val="300"/>
+              </a:spcAft>
               <a:buSzPts val="1100"/>
             </a:pPr>
             <a:r>
-              <a:rPr lang="en-US" sz="1500">
+              <a:rPr lang="en-US" sz="1500" dirty="0">
                 <a:sym typeface="Arial"/>
               </a:rPr>
               <a:t>Helps to protect all resources with specific tags</a:t>
@@ -6420,12 +6496,15 @@
           <a:p>
             <a:pPr marL="609585">
               <a:spcBef>
-                <a:spcPts val="0"/>
+                <a:spcPts val="300"/>
               </a:spcBef>
+              <a:spcAft>
+                <a:spcPts val="300"/>
+              </a:spcAft>
               <a:buSzPts val="1100"/>
             </a:pPr>
             <a:r>
-              <a:rPr lang="en-US" sz="1500">
+              <a:rPr lang="en-US" sz="1500" b="1" dirty="0">
                 <a:sym typeface="Arial"/>
               </a:rPr>
               <a:t>Automatically adds protection to resources that are added to your account</a:t>
@@ -6434,12 +6513,15 @@
           <a:p>
             <a:pPr marL="609585">
               <a:spcBef>
-                <a:spcPts val="0"/>
+                <a:spcPts val="300"/>
               </a:spcBef>
+              <a:spcAft>
+                <a:spcPts val="300"/>
+              </a:spcAft>
               <a:buSzPts val="1100"/>
             </a:pPr>
             <a:r>
-              <a:rPr lang="en-US" sz="1500">
+              <a:rPr lang="en-US" sz="1500" b="1" dirty="0">
                 <a:sym typeface="Arial"/>
               </a:rPr>
               <a:t>Allows you to subscribe all member accounts in an AWS Organizations organization to AWS Shield Advanced, and automatically subscribes new in-scope accounts that join the organization</a:t>
@@ -6448,12 +6530,15 @@
           <a:p>
             <a:pPr marL="609585">
               <a:spcBef>
-                <a:spcPts val="0"/>
+                <a:spcPts val="300"/>
               </a:spcBef>
+              <a:spcAft>
+                <a:spcPts val="300"/>
+              </a:spcAft>
               <a:buSzPts val="1100"/>
             </a:pPr>
             <a:r>
-              <a:rPr lang="en-US" sz="1500">
+              <a:rPr lang="en-US" sz="1500" dirty="0">
                 <a:sym typeface="Arial"/>
               </a:rPr>
               <a:t>Allows you to apply security group rules to all member accounts or specific subsets of accounts in an AWS Organizations organization, and automatically applies the rules to new in-scope accounts that join the organization</a:t>
@@ -6462,12 +6547,15 @@
           <a:p>
             <a:pPr marL="609585">
               <a:spcBef>
-                <a:spcPts val="0"/>
+                <a:spcPts val="300"/>
               </a:spcBef>
+              <a:spcAft>
+                <a:spcPts val="300"/>
+              </a:spcAft>
               <a:buSzPts val="1100"/>
             </a:pPr>
             <a:r>
-              <a:rPr lang="en-US" sz="1500">
+              <a:rPr lang="en-US" sz="1500" dirty="0">
                 <a:sym typeface="Arial"/>
               </a:rPr>
               <a:t>Lets you use your own rules, or purchase managed rules from AWS Marketplace</a:t>
@@ -6476,15 +6564,35 @@
           <a:p>
             <a:pPr marL="609585">
               <a:spcBef>
-                <a:spcPts val="0"/>
+                <a:spcPts val="300"/>
               </a:spcBef>
+              <a:spcAft>
+                <a:spcPts val="300"/>
+              </a:spcAft>
               <a:buSzPts val="1100"/>
             </a:pPr>
             <a:r>
-              <a:rPr lang="en-US" sz="1500">
+              <a:rPr lang="en-US" sz="1500" dirty="0">
                 <a:sym typeface="Arial"/>
               </a:rPr>
-              <a:t>Firewall Manager is particularly useful when you want to protect your entire organization rather than a small number of specific accounts and resources, or if you frequently add new resources that you want to protect. Firewall Manager also provides centralized monitoring of DDoS attacks across your organization.</a:t>
+              <a:t>Firewall Manager is particularly useful when you want to protect your entire organization rather than a small number of specific accounts and resources, or if you frequently add new resources that you want to protect. </a:t>
+            </a:r>
+          </a:p>
+          <a:p>
+            <a:pPr marL="609585">
+              <a:spcBef>
+                <a:spcPts val="300"/>
+              </a:spcBef>
+              <a:spcAft>
+                <a:spcPts val="300"/>
+              </a:spcAft>
+              <a:buSzPts val="1100"/>
+            </a:pPr>
+            <a:r>
+              <a:rPr lang="en-US" sz="1500" dirty="0">
+                <a:sym typeface="Arial"/>
+              </a:rPr>
+              <a:t>Firewall Manager also provides centralized monitoring of DDoS attacks across your organization.</a:t>
             </a:r>
           </a:p>
         </p:txBody>
